--- a/project_ppt.pptx
+++ b/project_ppt.pptx
@@ -30,28 +30,29 @@
     <p:sldId id="275" r:id="rId26"/>
     <p:sldId id="276" r:id="rId27"/>
     <p:sldId id="277" r:id="rId28"/>
+    <p:sldId id="278" r:id="rId29"/>
   </p:sldIdLst>
   <p:sldSz cy="5143500" cx="9144000"/>
   <p:notesSz cx="6858000" cy="9144000"/>
   <p:embeddedFontLst>
     <p:embeddedFont>
       <p:font typeface="PT Sans Narrow"/>
-      <p:regular r:id="rId29"/>
-      <p:bold r:id="rId30"/>
+      <p:regular r:id="rId30"/>
+      <p:bold r:id="rId31"/>
     </p:embeddedFont>
     <p:embeddedFont>
       <p:font typeface="Lato"/>
-      <p:regular r:id="rId31"/>
-      <p:bold r:id="rId32"/>
-      <p:italic r:id="rId33"/>
-      <p:boldItalic r:id="rId34"/>
+      <p:regular r:id="rId32"/>
+      <p:bold r:id="rId33"/>
+      <p:italic r:id="rId34"/>
+      <p:boldItalic r:id="rId35"/>
     </p:embeddedFont>
     <p:embeddedFont>
       <p:font typeface="Open Sans"/>
-      <p:regular r:id="rId35"/>
-      <p:bold r:id="rId36"/>
-      <p:italic r:id="rId37"/>
-      <p:boldItalic r:id="rId38"/>
+      <p:regular r:id="rId36"/>
+      <p:bold r:id="rId37"/>
+      <p:italic r:id="rId38"/>
+      <p:boldItalic r:id="rId39"/>
     </p:embeddedFont>
   </p:embeddedFontLst>
   <p:defaultTextStyle>
@@ -1044,7 +1045,7 @@
       </p:grpSpPr>
       <p:sp>
         <p:nvSpPr>
-          <p:cNvPr id="136" name="Google Shape;136;g1436de9ed56_0_6:notes"/>
+          <p:cNvPr id="136" name="Google Shape;136;g1436de9ed56_0_430:notes"/>
           <p:cNvSpPr/>
           <p:nvPr>
             <p:ph idx="2" type="sldImg"/>
@@ -1079,7 +1080,7 @@
       </p:sp>
       <p:sp>
         <p:nvSpPr>
-          <p:cNvPr id="137" name="Google Shape;137;g1436de9ed56_0_6:notes"/>
+          <p:cNvPr id="137" name="Google Shape;137;g1436de9ed56_0_430:notes"/>
           <p:cNvSpPr txBox="1"/>
           <p:nvPr>
             <p:ph idx="1" type="body"/>
@@ -1143,7 +1144,7 @@
       </p:grpSpPr>
       <p:sp>
         <p:nvSpPr>
-          <p:cNvPr id="142" name="Google Shape;142;g1436de9ed56_0_430:notes"/>
+          <p:cNvPr id="142" name="Google Shape;142;g1436de9ed56_0_6:notes"/>
           <p:cNvSpPr/>
           <p:nvPr>
             <p:ph idx="2" type="sldImg"/>
@@ -1178,7 +1179,7 @@
       </p:sp>
       <p:sp>
         <p:nvSpPr>
-          <p:cNvPr id="143" name="Google Shape;143;g1436de9ed56_0_430:notes"/>
+          <p:cNvPr id="143" name="Google Shape;143;g1436de9ed56_0_6:notes"/>
           <p:cNvSpPr txBox="1"/>
           <p:nvPr>
             <p:ph idx="1" type="body"/>
@@ -2034,7 +2035,7 @@
       </p:grpSpPr>
       <p:sp>
         <p:nvSpPr>
-          <p:cNvPr id="185" name="Google Shape;185;g142a9838b88_1_37:notes"/>
+          <p:cNvPr id="185" name="Google Shape;185;g142a9838b88_1_54:notes"/>
           <p:cNvSpPr/>
           <p:nvPr>
             <p:ph idx="2" type="sldImg"/>
@@ -2069,7 +2070,7 @@
       </p:sp>
       <p:sp>
         <p:nvSpPr>
-          <p:cNvPr id="186" name="Google Shape;186;g142a9838b88_1_37:notes"/>
+          <p:cNvPr id="186" name="Google Shape;186;g142a9838b88_1_54:notes"/>
           <p:cNvSpPr txBox="1"/>
           <p:nvPr>
             <p:ph idx="1" type="body"/>
@@ -2133,7 +2134,7 @@
       </p:grpSpPr>
       <p:sp>
         <p:nvSpPr>
-          <p:cNvPr id="191" name="Google Shape;191;g1436de9ed56_0_448:notes"/>
+          <p:cNvPr id="191" name="Google Shape;191;g142a9838b88_1_37:notes"/>
           <p:cNvSpPr/>
           <p:nvPr>
             <p:ph idx="2" type="sldImg"/>
@@ -2168,7 +2169,106 @@
       </p:sp>
       <p:sp>
         <p:nvSpPr>
-          <p:cNvPr id="192" name="Google Shape;192;g1436de9ed56_0_448:notes"/>
+          <p:cNvPr id="192" name="Google Shape;192;g142a9838b88_1_37:notes"/>
+          <p:cNvSpPr txBox="1"/>
+          <p:nvPr>
+            <p:ph idx="1" type="body"/>
+          </p:nvPr>
+        </p:nvSpPr>
+        <p:spPr>
+          <a:xfrm>
+            <a:off x="685800" y="4343400"/>
+            <a:ext cx="5486400" cy="4114800"/>
+          </a:xfrm>
+          <a:prstGeom prst="rect">
+            <a:avLst/>
+          </a:prstGeom>
+        </p:spPr>
+        <p:txBody>
+          <a:bodyPr anchorCtr="0" anchor="t" bIns="91425" lIns="91425" spcFirstLastPara="1" rIns="91425" wrap="square" tIns="91425">
+            <a:noAutofit/>
+          </a:bodyPr>
+          <a:lstStyle/>
+          <a:p>
+            <a:pPr indent="0" lvl="0" marL="0" rtl="0" algn="l">
+              <a:spcBef>
+                <a:spcPts val="0"/>
+              </a:spcBef>
+              <a:spcAft>
+                <a:spcPts val="0"/>
+              </a:spcAft>
+              <a:buNone/>
+            </a:pPr>
+            <a:r>
+              <a:t/>
+            </a:r>
+            <a:endParaRPr/>
+          </a:p>
+        </p:txBody>
+      </p:sp>
+    </p:spTree>
+  </p:cSld>
+  <p:clrMapOvr>
+    <a:masterClrMapping/>
+  </p:clrMapOvr>
+</p:notes>
+</file>
+
+<file path=ppt/notesSlides/notesSlide23.xml><?xml version="1.0" encoding="utf-8"?>
+<p:notes xmlns:a="http://schemas.openxmlformats.org/drawingml/2006/main" xmlns:r="http://schemas.openxmlformats.org/officeDocument/2006/relationships" xmlns:mc="http://schemas.openxmlformats.org/markup-compatibility/2006" xmlns:mv="urn:schemas-microsoft-com:mac:vml" xmlns:p="http://schemas.openxmlformats.org/presentationml/2006/main" xmlns:c="http://schemas.openxmlformats.org/drawingml/2006/chart" xmlns:dgm="http://schemas.openxmlformats.org/drawingml/2006/diagram" xmlns:o="urn:schemas-microsoft-com:office:office" xmlns:v="urn:schemas-microsoft-com:vml" xmlns:pvml="urn:schemas-microsoft-com:office:powerpoint" xmlns:com="http://schemas.openxmlformats.org/drawingml/2006/compatibility" xmlns:p14="http://schemas.microsoft.com/office/powerpoint/2010/main" xmlns:p15="http://schemas.microsoft.com/office/powerpoint/2012/main" xmlns:ahyp="http://schemas.microsoft.com/office/drawing/2018/hyperlinkcolor" showMasterPhAnim="0" showMasterSp="0">
+  <p:cSld>
+    <p:spTree>
+      <p:nvGrpSpPr>
+        <p:cNvPr id="196" name="Shape 196"/>
+        <p:cNvGrpSpPr/>
+        <p:nvPr/>
+      </p:nvGrpSpPr>
+      <p:grpSpPr>
+        <a:xfrm>
+          <a:off x="0" y="0"/>
+          <a:ext cx="0" cy="0"/>
+          <a:chOff x="0" y="0"/>
+          <a:chExt cx="0" cy="0"/>
+        </a:xfrm>
+      </p:grpSpPr>
+      <p:sp>
+        <p:nvSpPr>
+          <p:cNvPr id="197" name="Google Shape;197;g1436de9ed56_0_448:notes"/>
+          <p:cNvSpPr/>
+          <p:nvPr>
+            <p:ph idx="2" type="sldImg"/>
+          </p:nvPr>
+        </p:nvSpPr>
+        <p:spPr>
+          <a:xfrm>
+            <a:off x="381300" y="685800"/>
+            <a:ext cx="6096000" cy="3429000"/>
+          </a:xfrm>
+          <a:custGeom>
+            <a:rect b="b" l="l" r="r" t="t"/>
+            <a:pathLst>
+              <a:path extrusionOk="0" h="120000" w="120000">
+                <a:moveTo>
+                  <a:pt x="0" y="0"/>
+                </a:moveTo>
+                <a:lnTo>
+                  <a:pt x="120000" y="0"/>
+                </a:lnTo>
+                <a:lnTo>
+                  <a:pt x="120000" y="120000"/>
+                </a:lnTo>
+                <a:lnTo>
+                  <a:pt x="0" y="120000"/>
+                </a:lnTo>
+                <a:close/>
+              </a:path>
+            </a:pathLst>
+          </a:custGeom>
+        </p:spPr>
+      </p:sp>
+      <p:sp>
+        <p:nvSpPr>
+          <p:cNvPr id="198" name="Google Shape;198;g1436de9ed56_0_448:notes"/>
           <p:cNvSpPr txBox="1"/>
           <p:nvPr>
             <p:ph idx="1" type="body"/>
@@ -8716,7 +8816,7 @@
             <a:tbl>
               <a:tblPr>
                 <a:noFill/>
-                <a:tableStyleId>{EB2A63BC-99C9-4B18-B49A-05E3B0209F99}</a:tableStyleId>
+                <a:tableStyleId>{ED773E43-22C2-47FC-BEFB-0C8DD8EEDE37}</a:tableStyleId>
               </a:tblPr>
               <a:tblGrid>
                 <a:gridCol w="1765025"/>
@@ -10663,9 +10763,36 @@
           <a:chExt cx="0" cy="0"/>
         </a:xfrm>
       </p:grpSpPr>
+      <p:pic>
+        <p:nvPicPr>
+          <p:cNvPr id="139" name="Google Shape;139;p24"/>
+          <p:cNvPicPr preferRelativeResize="0"/>
+          <p:nvPr/>
+        </p:nvPicPr>
+        <p:blipFill rotWithShape="1">
+          <a:blip r:embed="rId3">
+            <a:alphaModFix/>
+          </a:blip>
+          <a:srcRect b="13068" l="7846" r="6301" t="11912"/>
+          <a:stretch/>
+        </p:blipFill>
+        <p:spPr>
+          <a:xfrm>
+            <a:off x="252275" y="294300"/>
+            <a:ext cx="8591174" cy="4222226"/>
+          </a:xfrm>
+          <a:prstGeom prst="rect">
+            <a:avLst/>
+          </a:prstGeom>
+          <a:noFill/>
+          <a:ln>
+            <a:noFill/>
+          </a:ln>
+        </p:spPr>
+      </p:pic>
       <p:sp>
         <p:nvSpPr>
-          <p:cNvPr id="139" name="Google Shape;139;p24"/>
+          <p:cNvPr id="140" name="Google Shape;140;p24"/>
           <p:cNvSpPr txBox="1"/>
           <p:nvPr>
             <p:ph type="title"/>
@@ -10703,33 +10830,6 @@
           </a:p>
         </p:txBody>
       </p:sp>
-      <p:pic>
-        <p:nvPicPr>
-          <p:cNvPr id="140" name="Google Shape;140;p24"/>
-          <p:cNvPicPr preferRelativeResize="0"/>
-          <p:nvPr/>
-        </p:nvPicPr>
-        <p:blipFill rotWithShape="1">
-          <a:blip r:embed="rId3">
-            <a:alphaModFix/>
-          </a:blip>
-          <a:srcRect b="7771" l="10610" r="32220" t="16482"/>
-          <a:stretch/>
-        </p:blipFill>
-        <p:spPr>
-          <a:xfrm>
-            <a:off x="1849975" y="969600"/>
-            <a:ext cx="5227600" cy="3896150"/>
-          </a:xfrm>
-          <a:prstGeom prst="rect">
-            <a:avLst/>
-          </a:prstGeom>
-          <a:noFill/>
-          <a:ln>
-            <a:noFill/>
-          </a:ln>
-        </p:spPr>
-      </p:pic>
     </p:spTree>
   </p:cSld>
   <p:clrMapOvr>
@@ -10765,13 +10865,13 @@
           <a:blip r:embed="rId3">
             <a:alphaModFix/>
           </a:blip>
-          <a:srcRect b="13068" l="7846" r="6301" t="11912"/>
+          <a:srcRect b="7356" l="0" r="832" t="10352"/>
           <a:stretch/>
         </p:blipFill>
         <p:spPr>
           <a:xfrm>
-            <a:off x="252275" y="294300"/>
-            <a:ext cx="8591174" cy="4222226"/>
+            <a:off x="0" y="756800"/>
+            <a:ext cx="9067699" cy="4232550"/>
           </a:xfrm>
           <a:prstGeom prst="rect">
             <a:avLst/>
@@ -10921,13 +11021,13 @@
           <a:blip r:embed="rId3">
             <a:alphaModFix/>
           </a:blip>
-          <a:srcRect b="6690" l="1282" r="1573" t="9893"/>
+          <a:srcRect b="5448" l="0" r="842" t="10077"/>
           <a:stretch/>
         </p:blipFill>
         <p:spPr>
           <a:xfrm>
-            <a:off x="71225" y="420450"/>
-            <a:ext cx="8995475" cy="4344649"/>
+            <a:off x="38638" y="602650"/>
+            <a:ext cx="9066701" cy="4344651"/>
           </a:xfrm>
           <a:prstGeom prst="rect">
             <a:avLst/>
@@ -11064,7 +11164,7 @@
           <a:blip r:embed="rId3">
             <a:alphaModFix/>
           </a:blip>
-          <a:srcRect b="9540" l="2142" r="9" t="10350"/>
+          <a:srcRect b="9062" l="0" r="0" t="9070"/>
           <a:stretch/>
         </p:blipFill>
         <p:spPr>
@@ -11156,13 +11256,13 @@
           <a:blip r:embed="rId3">
             <a:alphaModFix/>
           </a:blip>
-          <a:srcRect b="36507" l="0" r="0" t="9812"/>
+          <a:srcRect b="5994" l="0" r="0" t="10630"/>
           <a:stretch/>
         </p:blipFill>
         <p:spPr>
           <a:xfrm>
-            <a:off x="200" y="1037100"/>
-            <a:ext cx="9143798" cy="2760950"/>
+            <a:off x="200" y="392425"/>
+            <a:ext cx="9143798" cy="4288575"/>
           </a:xfrm>
           <a:prstGeom prst="rect">
             <a:avLst/>
@@ -11421,13 +11521,13 @@
           <a:blip r:embed="rId3">
             <a:alphaModFix/>
           </a:blip>
-          <a:srcRect b="5438" l="0" r="0" t="10633"/>
+          <a:srcRect b="8370" l="0" r="0" t="9890"/>
           <a:stretch/>
         </p:blipFill>
         <p:spPr>
           <a:xfrm>
-            <a:off x="98100" y="675900"/>
-            <a:ext cx="9144000" cy="4316625"/>
+            <a:off x="70050" y="532575"/>
+            <a:ext cx="9144000" cy="4204499"/>
           </a:xfrm>
           <a:prstGeom prst="rect">
             <a:avLst/>
@@ -11512,13 +11612,13 @@
           <a:blip r:embed="rId3">
             <a:alphaModFix/>
           </a:blip>
-          <a:srcRect b="5185" l="0" r="0" t="9801"/>
+          <a:srcRect b="8370" l="0" r="0" t="9890"/>
           <a:stretch/>
         </p:blipFill>
         <p:spPr>
           <a:xfrm>
-            <a:off x="0" y="504525"/>
-            <a:ext cx="9144000" cy="4372826"/>
+            <a:off x="70050" y="532575"/>
+            <a:ext cx="9144000" cy="4204499"/>
           </a:xfrm>
           <a:prstGeom prst="rect">
             <a:avLst/>
@@ -11554,9 +11654,100 @@
           <a:chExt cx="0" cy="0"/>
         </a:xfrm>
       </p:grpSpPr>
+      <p:sp>
+        <p:nvSpPr>
+          <p:cNvPr id="194" name="Google Shape;194;p34"/>
+          <p:cNvSpPr txBox="1"/>
+          <p:nvPr>
+            <p:ph idx="1" type="body"/>
+          </p:nvPr>
+        </p:nvSpPr>
+        <p:spPr>
+          <a:xfrm>
+            <a:off x="311700" y="1266325"/>
+            <a:ext cx="8520600" cy="3302700"/>
+          </a:xfrm>
+          <a:prstGeom prst="rect">
+            <a:avLst/>
+          </a:prstGeom>
+        </p:spPr>
+        <p:txBody>
+          <a:bodyPr anchorCtr="0" anchor="t" bIns="91425" lIns="91425" spcFirstLastPara="1" rIns="91425" wrap="square" tIns="91425">
+            <a:normAutofit/>
+          </a:bodyPr>
+          <a:lstStyle/>
+          <a:p>
+            <a:pPr indent="0" lvl="0" marL="0" rtl="0" algn="l">
+              <a:spcBef>
+                <a:spcPts val="0"/>
+              </a:spcBef>
+              <a:spcAft>
+                <a:spcPts val="1200"/>
+              </a:spcAft>
+              <a:buNone/>
+            </a:pPr>
+            <a:r>
+              <a:t/>
+            </a:r>
+            <a:endParaRPr/>
+          </a:p>
+        </p:txBody>
+      </p:sp>
       <p:pic>
         <p:nvPicPr>
-          <p:cNvPr id="194" name="Google Shape;194;p34"/>
+          <p:cNvPr id="195" name="Google Shape;195;p34"/>
+          <p:cNvPicPr preferRelativeResize="0"/>
+          <p:nvPr/>
+        </p:nvPicPr>
+        <p:blipFill rotWithShape="1">
+          <a:blip r:embed="rId3">
+            <a:alphaModFix/>
+          </a:blip>
+          <a:srcRect b="7496" l="0" r="0" t="9121"/>
+          <a:stretch/>
+        </p:blipFill>
+        <p:spPr>
+          <a:xfrm>
+            <a:off x="0" y="588625"/>
+            <a:ext cx="9144000" cy="4288726"/>
+          </a:xfrm>
+          <a:prstGeom prst="rect">
+            <a:avLst/>
+          </a:prstGeom>
+          <a:noFill/>
+          <a:ln>
+            <a:noFill/>
+          </a:ln>
+        </p:spPr>
+      </p:pic>
+    </p:spTree>
+  </p:cSld>
+  <p:clrMapOvr>
+    <a:masterClrMapping/>
+  </p:clrMapOvr>
+</p:sld>
+</file>
+
+<file path=ppt/slides/slide23.xml><?xml version="1.0" encoding="utf-8"?>
+<p:sld xmlns:a="http://schemas.openxmlformats.org/drawingml/2006/main" xmlns:r="http://schemas.openxmlformats.org/officeDocument/2006/relationships" xmlns:mc="http://schemas.openxmlformats.org/markup-compatibility/2006" xmlns:mv="urn:schemas-microsoft-com:mac:vml" xmlns:p="http://schemas.openxmlformats.org/presentationml/2006/main" xmlns:c="http://schemas.openxmlformats.org/drawingml/2006/chart" xmlns:dgm="http://schemas.openxmlformats.org/drawingml/2006/diagram" xmlns:o="urn:schemas-microsoft-com:office:office" xmlns:v="urn:schemas-microsoft-com:vml" xmlns:pvml="urn:schemas-microsoft-com:office:powerpoint" xmlns:com="http://schemas.openxmlformats.org/drawingml/2006/compatibility" xmlns:p14="http://schemas.microsoft.com/office/powerpoint/2010/main" xmlns:p15="http://schemas.microsoft.com/office/powerpoint/2012/main" xmlns:ahyp="http://schemas.microsoft.com/office/drawing/2018/hyperlinkcolor">
+  <p:cSld>
+    <p:spTree>
+      <p:nvGrpSpPr>
+        <p:cNvPr id="199" name="Shape 199"/>
+        <p:cNvGrpSpPr/>
+        <p:nvPr/>
+      </p:nvGrpSpPr>
+      <p:grpSpPr>
+        <a:xfrm>
+          <a:off x="0" y="0"/>
+          <a:ext cx="0" cy="0"/>
+          <a:chOff x="0" y="0"/>
+          <a:chExt cx="0" cy="0"/>
+        </a:xfrm>
+      </p:grpSpPr>
+      <p:pic>
+        <p:nvPicPr>
+          <p:cNvPr id="200" name="Google Shape;200;p35"/>
           <p:cNvPicPr preferRelativeResize="0"/>
           <p:nvPr/>
         </p:nvPicPr>
@@ -11584,7 +11775,7 @@
       </p:pic>
       <p:pic>
         <p:nvPicPr>
-          <p:cNvPr id="195" name="Google Shape;195;p34"/>
+          <p:cNvPr id="201" name="Google Shape;201;p35"/>
           <p:cNvPicPr preferRelativeResize="0"/>
           <p:nvPr/>
         </p:nvPicPr>
@@ -13009,7 +13200,7 @@
             <a:tbl>
               <a:tblPr>
                 <a:noFill/>
-                <a:tableStyleId>{3E3DF7B7-6677-486E-8200-5578093E02F0}</a:tableStyleId>
+                <a:tableStyleId>{DC6D36F4-7F2A-4200-8F90-5131E6F86C4D}</a:tableStyleId>
               </a:tblPr>
               <a:tblGrid>
                 <a:gridCol w="600375"/>
@@ -14102,7 +14293,7 @@
             <a:tbl>
               <a:tblPr>
                 <a:noFill/>
-                <a:tableStyleId>{3E3DF7B7-6677-486E-8200-5578093E02F0}</a:tableStyleId>
+                <a:tableStyleId>{DC6D36F4-7F2A-4200-8F90-5131E6F86C4D}</a:tableStyleId>
               </a:tblPr>
               <a:tblGrid>
                 <a:gridCol w="600375"/>
